--- a/ppt/算法讲解041【必备】最大公约数、同余原理.pptx
+++ b/ppt/算法讲解041【必备】最大公约数、同余原理.pptx
@@ -4135,7 +4135,19 @@
               </a:defRPr>
             </a:pPr>
             <a:r>
-              <a:t>4) 除法的同余需要求逆元，会在【扩展】课程里讲述，较难的题目才会涉及 </a:t>
+              <a:t>4) 除法的同余需要求逆元，会在【必备】课程里讲述。</a:t>
+            </a:r>
+            <a:r>
+              <a:rPr>
+                <a:solidFill>
+                  <a:schemeClr val="accent5">
+                    <a:hueOff val="-82419"/>
+                    <a:satOff val="-9513"/>
+                    <a:lumOff val="-16343"/>
+                  </a:schemeClr>
+                </a:solidFill>
+              </a:rPr>
+              <a:t>课上说的在【扩展】阶段，提前了 </a:t>
             </a:r>
           </a:p>
         </p:txBody>

--- a/ppt/算法讲解041【必备】最大公约数、同余原理.pptx
+++ b/ppt/算法讲解041【必备】最大公约数、同余原理.pptx
@@ -4135,7 +4135,7 @@
               </a:defRPr>
             </a:pPr>
             <a:r>
-              <a:t>4) 除法的同余需要求逆元，会在【必备】课程里讲述。</a:t>
+              <a:t>4) 除法的同余需要求逆元，会在【必备】课程里讲述，较难的题目才会涉及</a:t>
             </a:r>
             <a:r>
               <a:rPr>
@@ -4147,7 +4147,7 @@
                   </a:schemeClr>
                 </a:solidFill>
               </a:rPr>
-              <a:t>课上说的在【扩展】阶段，提前了 </a:t>
+              <a:t> </a:t>
             </a:r>
           </a:p>
         </p:txBody>
